--- a/summerdeck.pptx
+++ b/summerdeck.pptx
@@ -15,11 +15,11 @@
     <p:sldId id="257" r:id="rId3"/>
     <p:sldId id="264" r:id="rId4"/>
     <p:sldId id="261" r:id="rId5"/>
-    <p:sldId id="259" r:id="rId6"/>
-    <p:sldId id="269" r:id="rId7"/>
-    <p:sldId id="267" r:id="rId8"/>
-    <p:sldId id="265" r:id="rId9"/>
-    <p:sldId id="268" r:id="rId10"/>
+    <p:sldId id="269" r:id="rId6"/>
+    <p:sldId id="267" r:id="rId7"/>
+    <p:sldId id="265" r:id="rId8"/>
+    <p:sldId id="268" r:id="rId9"/>
+    <p:sldId id="259" r:id="rId10"/>
   </p:sldIdLst>
   <p:sldSz cx="12192000" cy="6858000"/>
   <p:notesSz cx="6858000" cy="9144000"/>
@@ -3665,7 +3665,7 @@
           <a:p>
             <a:fld id="{8EB33BB8-6C7A-4BE0-9B55-9EAC48D52EC6}" type="datetimeFigureOut">
               <a:rPr lang="en-US"/>
-              <a:t>7/23/2017</a:t>
+              <a:t>7/24/2017</a:t>
             </a:fld>
             <a:endParaRPr/>
           </a:p>
@@ -3830,7 +3830,7 @@
           <a:p>
             <a:fld id="{C611EF64-F73B-4314-BB6F-BC0937BBDF19}" type="datetimeFigureOut">
               <a:rPr lang="en-US"/>
-              <a:t>7/23/2017</a:t>
+              <a:t>7/24/2017</a:t>
             </a:fld>
             <a:endParaRPr/>
           </a:p>
@@ -4422,7 +4422,7 @@
           <a:p>
             <a:fld id="{9D3B9702-7FBF-4720-8670-571C5E7EEDDE}" type="datetime1">
               <a:rPr lang="en-US"/>
-              <a:t>7/23/2017</a:t>
+              <a:t>7/24/2017</a:t>
             </a:fld>
             <a:endParaRPr/>
           </a:p>
@@ -4593,7 +4593,7 @@
           <a:p>
             <a:fld id="{27427AEA-BBBB-4C9B-AB23-214EAA8AB789}" type="datetime1">
               <a:rPr lang="en-US"/>
-              <a:t>7/23/2017</a:t>
+              <a:t>7/24/2017</a:t>
             </a:fld>
             <a:endParaRPr/>
           </a:p>
@@ -4773,7 +4773,7 @@
           <a:p>
             <a:fld id="{2791CA30-F5CD-4CA0-B16A-349C6F830700}" type="datetime1">
               <a:rPr lang="en-US"/>
-              <a:t>7/23/2017</a:t>
+              <a:t>7/24/2017</a:t>
             </a:fld>
             <a:endParaRPr/>
           </a:p>
@@ -4959,7 +4959,7 @@
           <a:p>
             <a:fld id="{7B3AF48E-ABA0-4B58-B562-D1D7408067C4}" type="datetime1">
               <a:rPr lang="en-US"/>
-              <a:t>7/23/2017</a:t>
+              <a:t>7/24/2017</a:t>
             </a:fld>
             <a:endParaRPr/>
           </a:p>
@@ -5221,7 +5221,7 @@
           <a:p>
             <a:fld id="{B2A5034C-8BD9-4B0C-893B-33834FAB227F}" type="datetime1">
               <a:rPr lang="en-US"/>
-              <a:t>7/23/2017</a:t>
+              <a:t>7/24/2017</a:t>
             </a:fld>
             <a:endParaRPr/>
           </a:p>
@@ -5453,7 +5453,7 @@
           <a:p>
             <a:fld id="{7CD787AA-CBCD-47F9-A04C-7106C508CDE4}" type="datetime1">
               <a:rPr lang="en-US"/>
-              <a:t>7/23/2017</a:t>
+              <a:t>7/24/2017</a:t>
             </a:fld>
             <a:endParaRPr/>
           </a:p>
@@ -5833,7 +5833,7 @@
           <a:p>
             <a:fld id="{AD1CC9DD-75F5-4611-BA0B-CFB1A226639C}" type="datetime1">
               <a:rPr lang="en-US"/>
-              <a:t>7/23/2017</a:t>
+              <a:t>7/24/2017</a:t>
             </a:fld>
             <a:endParaRPr/>
           </a:p>
@@ -5951,7 +5951,7 @@
           <a:p>
             <a:fld id="{5980F1F9-2D3D-4243-878F-D000C3F2A1C4}" type="datetime1">
               <a:rPr lang="en-US"/>
-              <a:t>7/23/2017</a:t>
+              <a:t>7/24/2017</a:t>
             </a:fld>
             <a:endParaRPr/>
           </a:p>
@@ -6060,7 +6060,7 @@
           <a:p>
             <a:fld id="{E2ABCBE8-1824-4658-A8BB-BECFAEB7E35A}" type="datetime1">
               <a:rPr lang="en-US"/>
-              <a:t>7/23/2017</a:t>
+              <a:t>7/24/2017</a:t>
             </a:fld>
             <a:endParaRPr/>
           </a:p>
@@ -6364,7 +6364,7 @@
           <a:p>
             <a:fld id="{5085CD17-C377-4DE5-9FCA-CC7471605C58}" type="datetime1">
               <a:rPr lang="en-US"/>
-              <a:t>7/23/2017</a:t>
+              <a:t>7/24/2017</a:t>
             </a:fld>
             <a:endParaRPr/>
           </a:p>
@@ -6703,7 +6703,7 @@
           <a:p>
             <a:fld id="{A9BE9F02-BE96-4BAE-86A5-1FA60D24CAE2}" type="datetime1">
               <a:rPr lang="en-US"/>
-              <a:t>7/23/2017</a:t>
+              <a:t>7/24/2017</a:t>
             </a:fld>
             <a:endParaRPr/>
           </a:p>
@@ -6924,7 +6924,7 @@
             <a:fld id="{9D3B9702-7FBF-4720-8670-571C5E7EEDDE}" type="datetime1">
               <a:rPr lang="en-US" smtClean="0"/>
               <a:pPr/>
-              <a:t>7/23/2017</a:t>
+              <a:t>7/24/2017</a:t>
             </a:fld>
             <a:endParaRPr lang="en-US" dirty="0"/>
           </a:p>
@@ -7369,7 +7369,7 @@
           <a:p>
             <a:r>
               <a:rPr lang="en-US" dirty="0" err="1"/>
-              <a:t>HelloSummer</a:t>
+              <a:t>Ete</a:t>
             </a:r>
             <a:endParaRPr lang="en-US" dirty="0"/>
           </a:p>
@@ -7879,24 +7879,42 @@
           <a:p>
             <a:r>
               <a:rPr lang="en-US" dirty="0" err="1"/>
-              <a:t>HelloSummer</a:t>
+              <a:t>Ete</a:t>
             </a:r>
             <a:endParaRPr lang="en-US" dirty="0"/>
           </a:p>
         </p:txBody>
       </p:sp>
-      <p:sp>
-        <p:nvSpPr>
-          <p:cNvPr id="4" name="Picture Placeholder 3" descr="An empty placeholder to add an image. Click on the placeholder and select the image that you wish to add."/>
-          <p:cNvSpPr>
-            <a:spLocks noGrp="1"/>
-          </p:cNvSpPr>
+      <p:pic>
+        <p:nvPicPr>
+          <p:cNvPr id="7" name="Picture Placeholder 6"/>
+          <p:cNvPicPr>
+            <a:picLocks noGrp="1" noChangeAspect="1"/>
+          </p:cNvPicPr>
           <p:nvPr>
             <p:ph type="pic" idx="1"/>
           </p:nvPr>
-        </p:nvSpPr>
-        <p:spPr/>
-      </p:sp>
+        </p:nvPicPr>
+        <p:blipFill>
+          <a:blip r:embed="rId2">
+            <a:extLst>
+              <a:ext uri="{28A0092B-C50C-407E-A947-70E740481C1C}">
+                <a14:useLocalDpi xmlns:a14="http://schemas.microsoft.com/office/drawing/2010/main" val="0"/>
+              </a:ext>
+            </a:extLst>
+          </a:blip>
+          <a:srcRect l="3648" r="3648"/>
+          <a:stretch>
+            <a:fillRect/>
+          </a:stretch>
+        </p:blipFill>
+        <p:spPr>
+          <a:xfrm>
+            <a:off x="1408111" y="865570"/>
+            <a:ext cx="6629577" cy="4354130"/>
+          </a:xfrm>
+        </p:spPr>
+      </p:pic>
       <p:sp>
         <p:nvSpPr>
           <p:cNvPr id="3" name="Text Placeholder 2"/>
@@ -7966,40 +7984,55 @@
           <a:p>
             <a:r>
               <a:rPr lang="en-US" dirty="0"/>
-              <a:t>Platform Walkthrough</a:t>
-            </a:r>
-          </a:p>
-        </p:txBody>
-      </p:sp>
-      <p:graphicFrame>
-        <p:nvGraphicFramePr>
-          <p:cNvPr id="15" name="Content Placeholder 14" descr="Step Up Process diagram showing 5 steps ascending" title="SmartArt"/>
-          <p:cNvGraphicFramePr>
-            <a:graphicFrameLocks noGrp="1"/>
-          </p:cNvGraphicFramePr>
+              <a:t>Our business</a:t>
+            </a:r>
+          </a:p>
+        </p:txBody>
+      </p:sp>
+      <p:sp>
+        <p:nvSpPr>
+          <p:cNvPr id="3" name="Content Placeholder 2"/>
+          <p:cNvSpPr>
+            <a:spLocks noGrp="1"/>
+          </p:cNvSpPr>
           <p:nvPr>
             <p:ph idx="1"/>
-            <p:extLst>
-              <p:ext uri="{D42A27DB-BD31-4B8C-83A1-F6EECF244321}">
-                <p14:modId xmlns:p14="http://schemas.microsoft.com/office/powerpoint/2010/main" val="2382519644"/>
-              </p:ext>
-            </p:extLst>
-          </p:nvPr>
-        </p:nvGraphicFramePr>
-        <p:xfrm>
-          <a:off x="2208213" y="1600200"/>
-          <a:ext cx="9372600" cy="4114800"/>
-        </p:xfrm>
-        <a:graphic>
-          <a:graphicData uri="http://schemas.openxmlformats.org/drawingml/2006/diagram">
-            <dgm:relIds xmlns:dgm="http://schemas.openxmlformats.org/drawingml/2006/diagram" xmlns:r="http://schemas.openxmlformats.org/officeDocument/2006/relationships" r:dm="rId2" r:lo="rId3" r:qs="rId4" r:cs="rId5"/>
-          </a:graphicData>
-        </a:graphic>
-      </p:graphicFrame>
+          </p:nvPr>
+        </p:nvSpPr>
+        <p:spPr/>
+        <p:txBody>
+          <a:bodyPr/>
+          <a:lstStyle/>
+          <a:p>
+            <a:r>
+              <a:rPr lang="en-US" dirty="0"/>
+              <a:t>Operate internationally!</a:t>
+            </a:r>
+          </a:p>
+          <a:p>
+            <a:r>
+              <a:rPr lang="en-US" dirty="0"/>
+              <a:t>Sign up &amp; payment</a:t>
+            </a:r>
+          </a:p>
+          <a:p>
+            <a:r>
+              <a:rPr lang="en-US" dirty="0"/>
+              <a:t>Communication between parties</a:t>
+            </a:r>
+          </a:p>
+          <a:p>
+            <a:r>
+              <a:rPr lang="en-US" dirty="0"/>
+              <a:t>Discounts to consumers</a:t>
+            </a:r>
+          </a:p>
+        </p:txBody>
+      </p:sp>
     </p:spTree>
     <p:extLst>
       <p:ext uri="{BB962C8B-B14F-4D97-AF65-F5344CB8AC3E}">
-        <p14:creationId xmlns:p14="http://schemas.microsoft.com/office/powerpoint/2010/main" val="1962506101"/>
+        <p14:creationId xmlns:p14="http://schemas.microsoft.com/office/powerpoint/2010/main" val="3421806300"/>
       </p:ext>
     </p:extLst>
   </p:cSld>
@@ -8043,98 +8076,6 @@
           <a:p>
             <a:r>
               <a:rPr lang="en-US" dirty="0"/>
-              <a:t>The business side: our model and how we add value</a:t>
-            </a:r>
-          </a:p>
-        </p:txBody>
-      </p:sp>
-      <p:sp>
-        <p:nvSpPr>
-          <p:cNvPr id="3" name="Content Placeholder 2"/>
-          <p:cNvSpPr>
-            <a:spLocks noGrp="1"/>
-          </p:cNvSpPr>
-          <p:nvPr>
-            <p:ph idx="1"/>
-          </p:nvPr>
-        </p:nvSpPr>
-        <p:spPr/>
-        <p:txBody>
-          <a:bodyPr/>
-          <a:lstStyle/>
-          <a:p>
-            <a:r>
-              <a:rPr lang="en-US" dirty="0"/>
-              <a:t>Register both consumers and programs for free</a:t>
-            </a:r>
-          </a:p>
-          <a:p>
-            <a:r>
-              <a:rPr lang="en-US" dirty="0"/>
-              <a:t>Provide program search, selected, sign-up and payment through the platform</a:t>
-            </a:r>
-          </a:p>
-          <a:p>
-            <a:r>
-              <a:rPr lang="en-US" dirty="0"/>
-              <a:t>Manage communications between entities</a:t>
-            </a:r>
-          </a:p>
-          <a:p>
-            <a:r>
-              <a:rPr lang="en-US" dirty="0"/>
-              <a:t>Provide discounts to consumers and access to a large client base for programs</a:t>
-            </a:r>
-          </a:p>
-        </p:txBody>
-      </p:sp>
-    </p:spTree>
-    <p:extLst>
-      <p:ext uri="{BB962C8B-B14F-4D97-AF65-F5344CB8AC3E}">
-        <p14:creationId xmlns:p14="http://schemas.microsoft.com/office/powerpoint/2010/main" val="3421806300"/>
-      </p:ext>
-    </p:extLst>
-  </p:cSld>
-  <p:clrMapOvr>
-    <a:masterClrMapping/>
-  </p:clrMapOvr>
-</p:sld>
-</file>
-
-<file path=ppt/slides/slide7.xml><?xml version="1.0" encoding="utf-8"?>
-<p:sld xmlns:a="http://schemas.openxmlformats.org/drawingml/2006/main" xmlns:r="http://schemas.openxmlformats.org/officeDocument/2006/relationships" xmlns:p="http://schemas.openxmlformats.org/presentationml/2006/main">
-  <p:cSld>
-    <p:spTree>
-      <p:nvGrpSpPr>
-        <p:cNvPr id="1" name=""/>
-        <p:cNvGrpSpPr/>
-        <p:nvPr/>
-      </p:nvGrpSpPr>
-      <p:grpSpPr>
-        <a:xfrm>
-          <a:off x="0" y="0"/>
-          <a:ext cx="0" cy="0"/>
-          <a:chOff x="0" y="0"/>
-          <a:chExt cx="0" cy="0"/>
-        </a:xfrm>
-      </p:grpSpPr>
-      <p:sp>
-        <p:nvSpPr>
-          <p:cNvPr id="2" name="Title 1"/>
-          <p:cNvSpPr>
-            <a:spLocks noGrp="1"/>
-          </p:cNvSpPr>
-          <p:nvPr>
-            <p:ph type="title"/>
-          </p:nvPr>
-        </p:nvSpPr>
-        <p:spPr/>
-        <p:txBody>
-          <a:bodyPr/>
-          <a:lstStyle/>
-          <a:p>
-            <a:r>
-              <a:rPr lang="en-US" dirty="0"/>
               <a:t>Examining the market</a:t>
             </a:r>
           </a:p>
@@ -8189,7 +8130,7 @@
           <a:p>
             <a:r>
               <a:rPr lang="en-US" dirty="0"/>
-              <a:t>$3-18B market, 6M kids a year</a:t>
+              <a:t>$3B market, 6M kids a year</a:t>
             </a:r>
           </a:p>
           <a:p>
@@ -8358,7 +8299,7 @@
 </p:sld>
 </file>
 
-<file path=ppt/slides/slide8.xml><?xml version="1.0" encoding="utf-8"?>
+<file path=ppt/slides/slide7.xml><?xml version="1.0" encoding="utf-8"?>
 <p:sld xmlns:a="http://schemas.openxmlformats.org/drawingml/2006/main" xmlns:r="http://schemas.openxmlformats.org/officeDocument/2006/relationships" xmlns:p="http://schemas.openxmlformats.org/presentationml/2006/main">
   <p:cSld>
     <p:spTree>
@@ -8793,7 +8734,7 @@
         </p:nvSpPr>
         <p:spPr>
           <a:xfrm>
-            <a:off x="6657181" y="2397161"/>
+            <a:off x="7470614" y="2397161"/>
             <a:ext cx="474662" cy="519289"/>
           </a:xfrm>
           <a:prstGeom prst="ellipse">
@@ -8828,10 +8769,638 @@
           </a:p>
         </p:txBody>
       </p:sp>
+      <p:sp>
+        <p:nvSpPr>
+          <p:cNvPr id="21" name="TextBox 20"/>
+          <p:cNvSpPr txBox="1"/>
+          <p:nvPr/>
+        </p:nvSpPr>
+        <p:spPr>
+          <a:xfrm>
+            <a:off x="2710500" y="4181201"/>
+            <a:ext cx="925626" cy="369332"/>
+          </a:xfrm>
+          <a:prstGeom prst="rect">
+            <a:avLst/>
+          </a:prstGeom>
+          <a:noFill/>
+        </p:spPr>
+        <p:txBody>
+          <a:bodyPr wrap="square" rtlCol="0">
+            <a:spAutoFit/>
+          </a:bodyPr>
+          <a:lstStyle/>
+          <a:p>
+            <a:r>
+              <a:rPr lang="en-US" dirty="0"/>
+              <a:t>AAMC</a:t>
+            </a:r>
+          </a:p>
+        </p:txBody>
+      </p:sp>
+      <p:sp>
+        <p:nvSpPr>
+          <p:cNvPr id="22" name="TextBox 21"/>
+          <p:cNvSpPr txBox="1"/>
+          <p:nvPr/>
+        </p:nvSpPr>
+        <p:spPr>
+          <a:xfrm>
+            <a:off x="3203414" y="5300304"/>
+            <a:ext cx="2915739" cy="369332"/>
+          </a:xfrm>
+          <a:prstGeom prst="rect">
+            <a:avLst/>
+          </a:prstGeom>
+          <a:noFill/>
+        </p:spPr>
+        <p:txBody>
+          <a:bodyPr wrap="square" rtlCol="0">
+            <a:spAutoFit/>
+          </a:bodyPr>
+          <a:lstStyle/>
+          <a:p>
+            <a:r>
+              <a:rPr lang="en-US" dirty="0"/>
+              <a:t>summerrogramfinder.com</a:t>
+            </a:r>
+          </a:p>
+        </p:txBody>
+      </p:sp>
+      <p:sp>
+        <p:nvSpPr>
+          <p:cNvPr id="23" name="TextBox 22"/>
+          <p:cNvSpPr txBox="1"/>
+          <p:nvPr/>
+        </p:nvSpPr>
+        <p:spPr>
+          <a:xfrm>
+            <a:off x="7553862" y="4694748"/>
+            <a:ext cx="2915739" cy="369332"/>
+          </a:xfrm>
+          <a:prstGeom prst="rect">
+            <a:avLst/>
+          </a:prstGeom>
+          <a:noFill/>
+        </p:spPr>
+        <p:txBody>
+          <a:bodyPr wrap="square" rtlCol="0">
+            <a:spAutoFit/>
+          </a:bodyPr>
+          <a:lstStyle/>
+          <a:p>
+            <a:r>
+              <a:rPr lang="en-US" dirty="0"/>
+              <a:t>studyabroad.com</a:t>
+            </a:r>
+          </a:p>
+        </p:txBody>
+      </p:sp>
+      <p:sp>
+        <p:nvSpPr>
+          <p:cNvPr id="24" name="TextBox 23"/>
+          <p:cNvSpPr txBox="1"/>
+          <p:nvPr/>
+        </p:nvSpPr>
+        <p:spPr>
+          <a:xfrm>
+            <a:off x="7945276" y="2439831"/>
+            <a:ext cx="2915739" cy="369332"/>
+          </a:xfrm>
+          <a:prstGeom prst="rect">
+            <a:avLst/>
+          </a:prstGeom>
+          <a:noFill/>
+        </p:spPr>
+        <p:txBody>
+          <a:bodyPr wrap="square" rtlCol="0">
+            <a:spAutoFit/>
+          </a:bodyPr>
+          <a:lstStyle/>
+          <a:p>
+            <a:r>
+              <a:rPr lang="en-US" dirty="0"/>
+              <a:t>summercamps.com</a:t>
+            </a:r>
+          </a:p>
+        </p:txBody>
+      </p:sp>
+      <p:sp>
+        <p:nvSpPr>
+          <p:cNvPr id="25" name="TextBox 24"/>
+          <p:cNvSpPr txBox="1"/>
+          <p:nvPr/>
+        </p:nvSpPr>
+        <p:spPr>
+          <a:xfrm>
+            <a:off x="5687187" y="2534277"/>
+            <a:ext cx="573957" cy="369332"/>
+          </a:xfrm>
+          <a:prstGeom prst="rect">
+            <a:avLst/>
+          </a:prstGeom>
+          <a:noFill/>
+        </p:spPr>
+        <p:txBody>
+          <a:bodyPr wrap="square" rtlCol="0">
+            <a:spAutoFit/>
+          </a:bodyPr>
+          <a:lstStyle/>
+          <a:p>
+            <a:r>
+              <a:rPr lang="en-US" dirty="0"/>
+              <a:t>ACA</a:t>
+            </a:r>
+          </a:p>
+        </p:txBody>
+      </p:sp>
+      <p:sp>
+        <p:nvSpPr>
+          <p:cNvPr id="26" name="TextBox 25"/>
+          <p:cNvSpPr txBox="1"/>
+          <p:nvPr/>
+        </p:nvSpPr>
+        <p:spPr>
+          <a:xfrm>
+            <a:off x="10374489" y="1375564"/>
+            <a:ext cx="573957" cy="369332"/>
+          </a:xfrm>
+          <a:prstGeom prst="rect">
+            <a:avLst/>
+          </a:prstGeom>
+          <a:noFill/>
+        </p:spPr>
+        <p:txBody>
+          <a:bodyPr wrap="square" rtlCol="0">
+            <a:spAutoFit/>
+          </a:bodyPr>
+          <a:lstStyle/>
+          <a:p>
+            <a:r>
+              <a:rPr lang="en-US" dirty="0"/>
+              <a:t>ACA</a:t>
+            </a:r>
+          </a:p>
+        </p:txBody>
+      </p:sp>
     </p:spTree>
     <p:extLst>
       <p:ext uri="{BB962C8B-B14F-4D97-AF65-F5344CB8AC3E}">
         <p14:creationId xmlns:p14="http://schemas.microsoft.com/office/powerpoint/2010/main" val="3352944001"/>
+      </p:ext>
+    </p:extLst>
+  </p:cSld>
+  <p:clrMapOvr>
+    <a:masterClrMapping/>
+  </p:clrMapOvr>
+</p:sld>
+</file>
+
+<file path=ppt/slides/slide8.xml><?xml version="1.0" encoding="utf-8"?>
+<p:sld xmlns:a="http://schemas.openxmlformats.org/drawingml/2006/main" xmlns:r="http://schemas.openxmlformats.org/officeDocument/2006/relationships" xmlns:p="http://schemas.openxmlformats.org/presentationml/2006/main">
+  <p:cSld>
+    <p:spTree>
+      <p:nvGrpSpPr>
+        <p:cNvPr id="1" name=""/>
+        <p:cNvGrpSpPr/>
+        <p:nvPr/>
+      </p:nvGrpSpPr>
+      <p:grpSpPr>
+        <a:xfrm>
+          <a:off x="0" y="0"/>
+          <a:ext cx="0" cy="0"/>
+          <a:chOff x="0" y="0"/>
+          <a:chExt cx="0" cy="0"/>
+        </a:xfrm>
+      </p:grpSpPr>
+      <p:sp>
+        <p:nvSpPr>
+          <p:cNvPr id="2" name="Title 1"/>
+          <p:cNvSpPr>
+            <a:spLocks noGrp="1"/>
+          </p:cNvSpPr>
+          <p:nvPr>
+            <p:ph type="title"/>
+          </p:nvPr>
+        </p:nvSpPr>
+        <p:spPr/>
+        <p:txBody>
+          <a:bodyPr/>
+          <a:lstStyle/>
+          <a:p>
+            <a:r>
+              <a:rPr lang="en-US" b="1" dirty="0"/>
+              <a:t>The team</a:t>
+            </a:r>
+          </a:p>
+        </p:txBody>
+      </p:sp>
+      <p:pic>
+        <p:nvPicPr>
+          <p:cNvPr id="1025" name="Picture 1" descr="Generic placeholder image"/>
+          <p:cNvPicPr>
+            <a:picLocks noChangeAspect="1" noChangeArrowheads="1"/>
+          </p:cNvPicPr>
+          <p:nvPr/>
+        </p:nvPicPr>
+        <p:blipFill>
+          <a:blip r:embed="rId2">
+            <a:extLst>
+              <a:ext uri="{28A0092B-C50C-407E-A947-70E740481C1C}">
+                <a14:useLocalDpi xmlns:a14="http://schemas.microsoft.com/office/drawing/2010/main" val="0"/>
+              </a:ext>
+            </a:extLst>
+          </a:blip>
+          <a:srcRect/>
+          <a:stretch>
+            <a:fillRect/>
+          </a:stretch>
+        </p:blipFill>
+        <p:spPr bwMode="auto">
+          <a:xfrm>
+            <a:off x="1851378" y="2438399"/>
+            <a:ext cx="1333500" cy="1333500"/>
+          </a:xfrm>
+          <a:prstGeom prst="rect">
+            <a:avLst/>
+          </a:prstGeom>
+          <a:noFill/>
+          <a:extLst>
+            <a:ext uri="{909E8E84-426E-40DD-AFC4-6F175D3DCCD1}">
+              <a14:hiddenFill xmlns:a14="http://schemas.microsoft.com/office/drawing/2010/main">
+                <a:solidFill>
+                  <a:srgbClr val="FFFFFF"/>
+                </a:solidFill>
+              </a14:hiddenFill>
+            </a:ext>
+          </a:extLst>
+        </p:spPr>
+      </p:pic>
+      <p:pic>
+        <p:nvPicPr>
+          <p:cNvPr id="1027" name="Picture 3" descr="Generic placeholder image"/>
+          <p:cNvPicPr>
+            <a:picLocks noChangeAspect="1" noChangeArrowheads="1"/>
+          </p:cNvPicPr>
+          <p:nvPr/>
+        </p:nvPicPr>
+        <p:blipFill>
+          <a:blip r:embed="rId3">
+            <a:extLst>
+              <a:ext uri="{28A0092B-C50C-407E-A947-70E740481C1C}">
+                <a14:useLocalDpi xmlns:a14="http://schemas.microsoft.com/office/drawing/2010/main" val="0"/>
+              </a:ext>
+            </a:extLst>
+          </a:blip>
+          <a:srcRect/>
+          <a:stretch>
+            <a:fillRect/>
+          </a:stretch>
+        </p:blipFill>
+        <p:spPr bwMode="auto">
+          <a:xfrm>
+            <a:off x="4338697" y="2438399"/>
+            <a:ext cx="1333500" cy="1333501"/>
+          </a:xfrm>
+          <a:prstGeom prst="rect">
+            <a:avLst/>
+          </a:prstGeom>
+          <a:noFill/>
+          <a:extLst>
+            <a:ext uri="{909E8E84-426E-40DD-AFC4-6F175D3DCCD1}">
+              <a14:hiddenFill xmlns:a14="http://schemas.microsoft.com/office/drawing/2010/main">
+                <a:solidFill>
+                  <a:srgbClr val="FFFFFF"/>
+                </a:solidFill>
+              </a14:hiddenFill>
+            </a:ext>
+          </a:extLst>
+        </p:spPr>
+      </p:pic>
+      <p:pic>
+        <p:nvPicPr>
+          <p:cNvPr id="1028" name="Picture 4" descr="Generic placeholder image"/>
+          <p:cNvPicPr>
+            <a:picLocks noChangeAspect="1" noChangeArrowheads="1"/>
+          </p:cNvPicPr>
+          <p:nvPr/>
+        </p:nvPicPr>
+        <p:blipFill>
+          <a:blip r:embed="rId4">
+            <a:extLst>
+              <a:ext uri="{28A0092B-C50C-407E-A947-70E740481C1C}">
+                <a14:useLocalDpi xmlns:a14="http://schemas.microsoft.com/office/drawing/2010/main" val="0"/>
+              </a:ext>
+            </a:extLst>
+          </a:blip>
+          <a:srcRect/>
+          <a:stretch>
+            <a:fillRect/>
+          </a:stretch>
+        </p:blipFill>
+        <p:spPr bwMode="auto">
+          <a:xfrm>
+            <a:off x="6826016" y="2438399"/>
+            <a:ext cx="1333500" cy="1333500"/>
+          </a:xfrm>
+          <a:prstGeom prst="rect">
+            <a:avLst/>
+          </a:prstGeom>
+          <a:noFill/>
+          <a:extLst>
+            <a:ext uri="{909E8E84-426E-40DD-AFC4-6F175D3DCCD1}">
+              <a14:hiddenFill xmlns:a14="http://schemas.microsoft.com/office/drawing/2010/main">
+                <a:solidFill>
+                  <a:srgbClr val="FFFFFF"/>
+                </a:solidFill>
+              </a14:hiddenFill>
+            </a:ext>
+          </a:extLst>
+        </p:spPr>
+      </p:pic>
+      <p:pic>
+        <p:nvPicPr>
+          <p:cNvPr id="1029" name="Picture 5" descr="Generic placeholder image"/>
+          <p:cNvPicPr>
+            <a:picLocks noChangeAspect="1" noChangeArrowheads="1"/>
+          </p:cNvPicPr>
+          <p:nvPr/>
+        </p:nvPicPr>
+        <p:blipFill>
+          <a:blip r:embed="rId5">
+            <a:extLst>
+              <a:ext uri="{28A0092B-C50C-407E-A947-70E740481C1C}">
+                <a14:useLocalDpi xmlns:a14="http://schemas.microsoft.com/office/drawing/2010/main" val="0"/>
+              </a:ext>
+            </a:extLst>
+          </a:blip>
+          <a:srcRect/>
+          <a:stretch>
+            <a:fillRect/>
+          </a:stretch>
+        </p:blipFill>
+        <p:spPr bwMode="auto">
+          <a:xfrm>
+            <a:off x="9313334" y="2438399"/>
+            <a:ext cx="1333500" cy="1333500"/>
+          </a:xfrm>
+          <a:prstGeom prst="rect">
+            <a:avLst/>
+          </a:prstGeom>
+          <a:noFill/>
+          <a:extLst>
+            <a:ext uri="{909E8E84-426E-40DD-AFC4-6F175D3DCCD1}">
+              <a14:hiddenFill xmlns:a14="http://schemas.microsoft.com/office/drawing/2010/main">
+                <a:solidFill>
+                  <a:srgbClr val="FFFFFF"/>
+                </a:solidFill>
+              </a14:hiddenFill>
+            </a:ext>
+          </a:extLst>
+        </p:spPr>
+      </p:pic>
+      <p:sp>
+        <p:nvSpPr>
+          <p:cNvPr id="4" name="Rectangle 3"/>
+          <p:cNvSpPr/>
+          <p:nvPr/>
+        </p:nvSpPr>
+        <p:spPr>
+          <a:xfrm>
+            <a:off x="-529872" y="3771899"/>
+            <a:ext cx="6096000" cy="861774"/>
+          </a:xfrm>
+          <a:prstGeom prst="rect">
+            <a:avLst/>
+          </a:prstGeom>
+        </p:spPr>
+        <p:txBody>
+          <a:bodyPr>
+            <a:spAutoFit/>
+          </a:bodyPr>
+          <a:lstStyle/>
+          <a:p>
+            <a:pPr lvl="0" algn="ctr" eaLnBrk="0" fontAlgn="base" hangingPunct="0">
+              <a:spcBef>
+                <a:spcPct val="0"/>
+              </a:spcBef>
+              <a:spcAft>
+                <a:spcPct val="0"/>
+              </a:spcAft>
+            </a:pPr>
+            <a:r>
+              <a:rPr lang="en-US" altLang="en-US" sz="3200" b="1" dirty="0">
+                <a:latin typeface="Montserrat"/>
+              </a:rPr>
+              <a:t>Daniel S.</a:t>
+            </a:r>
+          </a:p>
+          <a:p>
+            <a:pPr lvl="0" algn="ctr" eaLnBrk="0" fontAlgn="base" hangingPunct="0">
+              <a:spcBef>
+                <a:spcPct val="0"/>
+              </a:spcBef>
+              <a:spcAft>
+                <a:spcPct val="0"/>
+              </a:spcAft>
+            </a:pPr>
+            <a:r>
+              <a:rPr lang="en-US" altLang="en-US" dirty="0">
+                <a:latin typeface="Open Sans"/>
+              </a:rPr>
+              <a:t>Full-stack Developer</a:t>
+            </a:r>
+            <a:r>
+              <a:rPr lang="en-US" altLang="en-US" dirty="0">
+                <a:latin typeface="Helvetica Neue"/>
+              </a:rPr>
+              <a:t> </a:t>
+            </a:r>
+          </a:p>
+        </p:txBody>
+      </p:sp>
+      <p:sp>
+        <p:nvSpPr>
+          <p:cNvPr id="5" name="Rectangle 4"/>
+          <p:cNvSpPr/>
+          <p:nvPr/>
+        </p:nvSpPr>
+        <p:spPr>
+          <a:xfrm>
+            <a:off x="1957447" y="3768632"/>
+            <a:ext cx="6096000" cy="861774"/>
+          </a:xfrm>
+          <a:prstGeom prst="rect">
+            <a:avLst/>
+          </a:prstGeom>
+        </p:spPr>
+        <p:txBody>
+          <a:bodyPr>
+            <a:spAutoFit/>
+          </a:bodyPr>
+          <a:lstStyle/>
+          <a:p>
+            <a:pPr lvl="0" algn="ctr" eaLnBrk="0" fontAlgn="base" hangingPunct="0">
+              <a:spcBef>
+                <a:spcPct val="0"/>
+              </a:spcBef>
+              <a:spcAft>
+                <a:spcPct val="0"/>
+              </a:spcAft>
+            </a:pPr>
+            <a:r>
+              <a:rPr lang="en-US" altLang="en-US" sz="3200" b="1" dirty="0">
+                <a:latin typeface="Montserrat"/>
+              </a:rPr>
+              <a:t>Daniel T.</a:t>
+            </a:r>
+          </a:p>
+          <a:p>
+            <a:pPr lvl="0" algn="ctr" eaLnBrk="0" fontAlgn="base" hangingPunct="0">
+              <a:spcBef>
+                <a:spcPct val="0"/>
+              </a:spcBef>
+              <a:spcAft>
+                <a:spcPct val="0"/>
+              </a:spcAft>
+            </a:pPr>
+            <a:r>
+              <a:rPr lang="en-US" altLang="en-US" dirty="0">
+                <a:latin typeface="Open Sans"/>
+              </a:rPr>
+              <a:t>Back-end Developer</a:t>
+            </a:r>
+            <a:endParaRPr lang="en-US" altLang="en-US" sz="1400" dirty="0"/>
+          </a:p>
+        </p:txBody>
+      </p:sp>
+      <p:sp>
+        <p:nvSpPr>
+          <p:cNvPr id="6" name="Rectangle 5"/>
+          <p:cNvSpPr/>
+          <p:nvPr/>
+        </p:nvSpPr>
+        <p:spPr>
+          <a:xfrm>
+            <a:off x="4444766" y="3773837"/>
+            <a:ext cx="6096000" cy="1138773"/>
+          </a:xfrm>
+          <a:prstGeom prst="rect">
+            <a:avLst/>
+          </a:prstGeom>
+        </p:spPr>
+        <p:txBody>
+          <a:bodyPr>
+            <a:spAutoFit/>
+          </a:bodyPr>
+          <a:lstStyle/>
+          <a:p>
+            <a:pPr lvl="0" algn="ctr" eaLnBrk="0" fontAlgn="base" hangingPunct="0">
+              <a:spcBef>
+                <a:spcPct val="0"/>
+              </a:spcBef>
+              <a:spcAft>
+                <a:spcPct val="0"/>
+              </a:spcAft>
+            </a:pPr>
+            <a:r>
+              <a:rPr lang="en-US" altLang="en-US" sz="3200" b="1" dirty="0">
+                <a:latin typeface="Montserrat"/>
+              </a:rPr>
+              <a:t>Benjamin B.</a:t>
+            </a:r>
+          </a:p>
+          <a:p>
+            <a:pPr lvl="0" algn="ctr" eaLnBrk="0" fontAlgn="base" hangingPunct="0">
+              <a:spcBef>
+                <a:spcPct val="0"/>
+              </a:spcBef>
+              <a:spcAft>
+                <a:spcPct val="0"/>
+              </a:spcAft>
+            </a:pPr>
+            <a:r>
+              <a:rPr lang="en-US" altLang="en-US" dirty="0">
+                <a:latin typeface="Open Sans"/>
+              </a:rPr>
+              <a:t>Front-end Developer,</a:t>
+            </a:r>
+            <a:br>
+              <a:rPr lang="en-US" altLang="en-US" dirty="0">
+                <a:latin typeface="Open Sans"/>
+              </a:rPr>
+            </a:br>
+            <a:r>
+              <a:rPr lang="en-US" altLang="en-US" dirty="0">
+                <a:latin typeface="Open Sans"/>
+              </a:rPr>
+              <a:t>Designer</a:t>
+            </a:r>
+            <a:endParaRPr lang="en-US" altLang="en-US" sz="1400" dirty="0"/>
+          </a:p>
+        </p:txBody>
+      </p:sp>
+      <p:sp>
+        <p:nvSpPr>
+          <p:cNvPr id="7" name="Rectangle 6"/>
+          <p:cNvSpPr/>
+          <p:nvPr/>
+        </p:nvSpPr>
+        <p:spPr>
+          <a:xfrm>
+            <a:off x="7044266" y="3765365"/>
+            <a:ext cx="6096000" cy="861774"/>
+          </a:xfrm>
+          <a:prstGeom prst="rect">
+            <a:avLst/>
+          </a:prstGeom>
+        </p:spPr>
+        <p:txBody>
+          <a:bodyPr>
+            <a:spAutoFit/>
+          </a:bodyPr>
+          <a:lstStyle/>
+          <a:p>
+            <a:pPr lvl="0" algn="ctr" eaLnBrk="0" fontAlgn="base" hangingPunct="0">
+              <a:spcBef>
+                <a:spcPct val="0"/>
+              </a:spcBef>
+              <a:spcAft>
+                <a:spcPct val="0"/>
+              </a:spcAft>
+            </a:pPr>
+            <a:r>
+              <a:rPr lang="en-US" altLang="en-US" sz="3200" b="1" dirty="0">
+                <a:latin typeface="Montserrat"/>
+              </a:rPr>
+              <a:t>Benjamin S.</a:t>
+            </a:r>
+          </a:p>
+          <a:p>
+            <a:pPr lvl="0" algn="ctr" eaLnBrk="0" fontAlgn="base" hangingPunct="0">
+              <a:spcBef>
+                <a:spcPct val="0"/>
+              </a:spcBef>
+              <a:spcAft>
+                <a:spcPct val="0"/>
+              </a:spcAft>
+            </a:pPr>
+            <a:r>
+              <a:rPr lang="en-US" altLang="en-US" dirty="0">
+                <a:latin typeface="Open Sans"/>
+              </a:rPr>
+              <a:t>Marketing Manager</a:t>
+            </a:r>
+            <a:endParaRPr lang="en-US" altLang="en-US" dirty="0">
+              <a:latin typeface="Helvetica Neue"/>
+            </a:endParaRPr>
+          </a:p>
+        </p:txBody>
+      </p:sp>
+    </p:spTree>
+    <p:extLst>
+      <p:ext uri="{BB962C8B-B14F-4D97-AF65-F5344CB8AC3E}">
+        <p14:creationId xmlns:p14="http://schemas.microsoft.com/office/powerpoint/2010/main" val="789779182"/>
       </p:ext>
     </p:extLst>
   </p:cSld>
@@ -8875,15 +9444,40 @@
           <a:p>
             <a:r>
               <a:rPr lang="en-US" dirty="0"/>
-              <a:t>The team</a:t>
-            </a:r>
-          </a:p>
-        </p:txBody>
-      </p:sp>
+              <a:t>Platform Walkthrough</a:t>
+            </a:r>
+          </a:p>
+        </p:txBody>
+      </p:sp>
+      <p:graphicFrame>
+        <p:nvGraphicFramePr>
+          <p:cNvPr id="15" name="Content Placeholder 14" descr="Step Up Process diagram showing 5 steps ascending" title="SmartArt"/>
+          <p:cNvGraphicFramePr>
+            <a:graphicFrameLocks noGrp="1"/>
+          </p:cNvGraphicFramePr>
+          <p:nvPr>
+            <p:ph idx="1"/>
+            <p:extLst>
+              <p:ext uri="{D42A27DB-BD31-4B8C-83A1-F6EECF244321}">
+                <p14:modId xmlns:p14="http://schemas.microsoft.com/office/powerpoint/2010/main" val="2382519644"/>
+              </p:ext>
+            </p:extLst>
+          </p:nvPr>
+        </p:nvGraphicFramePr>
+        <p:xfrm>
+          <a:off x="2208213" y="1600200"/>
+          <a:ext cx="9372600" cy="4114800"/>
+        </p:xfrm>
+        <a:graphic>
+          <a:graphicData uri="http://schemas.openxmlformats.org/drawingml/2006/diagram">
+            <dgm:relIds xmlns:dgm="http://schemas.openxmlformats.org/drawingml/2006/diagram" xmlns:r="http://schemas.openxmlformats.org/officeDocument/2006/relationships" r:dm="rId2" r:lo="rId3" r:qs="rId4" r:cs="rId5"/>
+          </a:graphicData>
+        </a:graphic>
+      </p:graphicFrame>
     </p:spTree>
     <p:extLst>
       <p:ext uri="{BB962C8B-B14F-4D97-AF65-F5344CB8AC3E}">
-        <p14:creationId xmlns:p14="http://schemas.microsoft.com/office/powerpoint/2010/main" val="789779182"/>
+        <p14:creationId xmlns:p14="http://schemas.microsoft.com/office/powerpoint/2010/main" val="1962506101"/>
       </p:ext>
     </p:extLst>
   </p:cSld>

--- a/summerdeck.pptx
+++ b/summerdeck.pptx
@@ -7368,8 +7368,8 @@
           <a:lstStyle/>
           <a:p>
             <a:r>
-              <a:rPr lang="en-US" dirty="0" err="1"/>
-              <a:t>Ete</a:t>
+              <a:rPr lang="en-US" dirty="0"/>
+              <a:t>ÉTÉ</a:t>
             </a:r>
             <a:endParaRPr lang="en-US" dirty="0"/>
           </a:p>
@@ -7878,8 +7878,8 @@
           <a:lstStyle/>
           <a:p>
             <a:r>
-              <a:rPr lang="en-US" dirty="0" err="1"/>
-              <a:t>Ete</a:t>
+              <a:rPr lang="en-US" dirty="0"/>
+              <a:t>ÉTÉ </a:t>
             </a:r>
             <a:endParaRPr lang="en-US" dirty="0"/>
           </a:p>
